--- a/DG_07 Copying Collections.pptx
+++ b/DG_07 Copying Collections.pptx
@@ -117,7 +117,7 @@
   </p:defaultTextStyle>
   <p:extLst>
     <p:ext uri="{EFAFB233-063F-42B5-8137-9DF3F51BA10A}">
-      <p15:sldGuideLst xmlns:p15="http://schemas.microsoft.com/office/powerpoint/2012/main" xmlns="">
+      <p15:sldGuideLst xmlns:p15="http://schemas.microsoft.com/office/powerpoint/2012/main">
         <p15:guide id="1" orient="horz" pos="2160">
           <p15:clr>
             <a:srgbClr val="A4A3A4"/>
@@ -216,7 +216,7 @@
           <a:p>
             <a:fld id="{78C00125-7AA2-BF47-9592-BD0EA1380ED7}" type="datetimeFigureOut">
               <a:rPr lang="en-US" smtClean="0"/>
-              <a:t>5/24/2022</a:t>
+              <a:t>5/25/2022</a:t>
             </a:fld>
             <a:endParaRPr lang="en-US"/>
           </a:p>
@@ -2969,7 +2969,7 @@
             <a:fld id="{28E80666-FB37-4B36-9149-507F3B0178E3}" type="datetimeFigureOut">
               <a:rPr lang="en-US" smtClean="0"/>
               <a:pPr/>
-              <a:t>5/24/2022</a:t>
+              <a:t>5/25/2022</a:t>
             </a:fld>
             <a:endParaRPr lang="en-US"/>
           </a:p>
@@ -3151,7 +3151,7 @@
           <a:p>
             <a:fld id="{05DB9FB3-5BB2-724E-A037-6C88DDC21847}" type="datetimeFigureOut">
               <a:rPr lang="en-US" smtClean="0"/>
-              <a:t>5/24/2022</a:t>
+              <a:t>5/25/2022</a:t>
             </a:fld>
             <a:endParaRPr lang="en-US"/>
           </a:p>
@@ -3302,7 +3302,7 @@
           <a:p>
             <a:fld id="{05DB9FB3-5BB2-724E-A037-6C88DDC21847}" type="datetimeFigureOut">
               <a:rPr lang="en-US" smtClean="0"/>
-              <a:t>5/24/2022</a:t>
+              <a:t>5/25/2022</a:t>
             </a:fld>
             <a:endParaRPr lang="en-US"/>
           </a:p>
@@ -5128,7 +5128,7 @@
           <a:p>
             <a:fld id="{05DB9FB3-5BB2-724E-A037-6C88DDC21847}" type="datetimeFigureOut">
               <a:rPr lang="en-US" smtClean="0"/>
-              <a:t>5/24/2022</a:t>
+              <a:t>5/25/2022</a:t>
             </a:fld>
             <a:endParaRPr lang="en-US"/>
           </a:p>
@@ -6999,7 +6999,7 @@
             <a:fld id="{28E80666-FB37-4B36-9149-507F3B0178E3}" type="datetimeFigureOut">
               <a:rPr lang="en-US" smtClean="0"/>
               <a:pPr/>
-              <a:t>5/24/2022</a:t>
+              <a:t>5/25/2022</a:t>
             </a:fld>
             <a:endParaRPr lang="en-US"/>
           </a:p>
@@ -7113,7 +7113,7 @@
           <a:p>
             <a:fld id="{05DB9FB3-5BB2-724E-A037-6C88DDC21847}" type="datetimeFigureOut">
               <a:rPr lang="en-US" smtClean="0"/>
-              <a:t>5/24/2022</a:t>
+              <a:t>5/25/2022</a:t>
             </a:fld>
             <a:endParaRPr lang="en-US"/>
           </a:p>
@@ -7654,7 +7654,7 @@
           <a:p>
             <a:fld id="{05DB9FB3-5BB2-724E-A037-6C88DDC21847}" type="datetimeFigureOut">
               <a:rPr lang="en-US" smtClean="0"/>
-              <a:t>5/24/2022</a:t>
+              <a:t>5/25/2022</a:t>
             </a:fld>
             <a:endParaRPr lang="en-US"/>
           </a:p>
@@ -7767,7 +7767,7 @@
           <a:p>
             <a:fld id="{05DB9FB3-5BB2-724E-A037-6C88DDC21847}" type="datetimeFigureOut">
               <a:rPr lang="en-US" smtClean="0"/>
-              <a:t>5/24/2022</a:t>
+              <a:t>5/25/2022</a:t>
             </a:fld>
             <a:endParaRPr lang="en-US"/>
           </a:p>
@@ -9478,7 +9478,7 @@
           <a:p>
             <a:fld id="{05DB9FB3-5BB2-724E-A037-6C88DDC21847}" type="datetimeFigureOut">
               <a:rPr lang="en-US" smtClean="0"/>
-              <a:t>5/24/2022</a:t>
+              <a:t>5/25/2022</a:t>
             </a:fld>
             <a:endParaRPr lang="en-US"/>
           </a:p>
@@ -9629,7 +9629,7 @@
           <a:p>
             <a:fld id="{05DB9FB3-5BB2-724E-A037-6C88DDC21847}" type="datetimeFigureOut">
               <a:rPr lang="en-US" smtClean="0"/>
-              <a:t>5/24/2022</a:t>
+              <a:t>5/25/2022</a:t>
             </a:fld>
             <a:endParaRPr lang="en-US"/>
           </a:p>
@@ -13244,7 +13244,7 @@
           <a:p>
             <a:fld id="{05DB9FB3-5BB2-724E-A037-6C88DDC21847}" type="datetimeFigureOut">
               <a:rPr lang="en-US" smtClean="0"/>
-              <a:t>5/24/2022</a:t>
+              <a:t>5/25/2022</a:t>
             </a:fld>
             <a:endParaRPr lang="en-US"/>
           </a:p>
@@ -15103,7 +15103,7 @@
           <a:p>
             <a:fld id="{05DB9FB3-5BB2-724E-A037-6C88DDC21847}" type="datetimeFigureOut">
               <a:rPr lang="en-US" smtClean="0"/>
-              <a:t>5/24/2022</a:t>
+              <a:t>5/25/2022</a:t>
             </a:fld>
             <a:endParaRPr lang="en-US"/>
           </a:p>
@@ -15791,9 +15791,6 @@
               </a:rPr>
               <a:t>myList = [1,2,3]</a:t>
             </a:r>
-            <a:endParaRPr lang="en-US" sz="3600" smtClean="0">
-              <a:latin typeface="Lucida Sans" panose="020B0602030504020204" pitchFamily="34" charset="0"/>
-            </a:endParaRPr>
           </a:p>
           <a:p>
             <a:pPr lvl="0"/>
@@ -15830,9 +15827,6 @@
               </a:rPr>
               <a:t>print("oops!")</a:t>
             </a:r>
-            <a:endParaRPr lang="en-US" sz="3600" smtClean="0">
-              <a:latin typeface="Lucida Sans" panose="020B0602030504020204" pitchFamily="34" charset="0"/>
-            </a:endParaRPr>
           </a:p>
         </p:txBody>
       </p:sp>
@@ -15934,9 +15928,6 @@
               </a:rPr>
               <a:t>myList = [1,2,3]</a:t>
             </a:r>
-            <a:endParaRPr lang="en-US" sz="3600" smtClean="0">
-              <a:latin typeface="Lucida Sans" panose="020B0602030504020204" pitchFamily="34" charset="0"/>
-            </a:endParaRPr>
           </a:p>
           <a:p>
             <a:pPr lvl="0"/>
@@ -15973,9 +15964,6 @@
               </a:rPr>
               <a:t>print("Better!")</a:t>
             </a:r>
-            <a:endParaRPr lang="en-US" sz="3600" smtClean="0">
-              <a:latin typeface="Lucida Sans" panose="020B0602030504020204" pitchFamily="34" charset="0"/>
-            </a:endParaRPr>
           </a:p>
         </p:txBody>
       </p:sp>
@@ -16039,11 +16027,7 @@
             <a:pPr algn="l"/>
             <a:r>
               <a:rPr lang="en-US" smtClean="0"/>
-              <a:t>Smaller S</a:t>
-            </a:r>
-            <a:r>
-              <a:rPr lang="en-US" smtClean="0"/>
-              <a:t>lice</a:t>
+              <a:t>Smaller Slice</a:t>
             </a:r>
             <a:endParaRPr lang="en-US" dirty="0"/>
           </a:p>
@@ -16057,8 +16041,8 @@
         </p:nvSpPr>
         <p:spPr>
           <a:xfrm>
-            <a:off x="827314" y="2825826"/>
-            <a:ext cx="7786331" cy="3416320"/>
+            <a:off x="438015" y="2291671"/>
+            <a:ext cx="7786331" cy="3970318"/>
           </a:xfrm>
           <a:prstGeom prst="rect">
             <a:avLst/>
@@ -16072,46 +16056,103 @@
           <a:p>
             <a:pPr lvl="0"/>
             <a:r>
-              <a:rPr lang="en-US" sz="3600" smtClean="0">
+              <a:rPr lang="en-US" sz="3600" dirty="0" err="1" smtClean="0">
                 <a:latin typeface="Lucida Sans" panose="020B0602030504020204" pitchFamily="34" charset="0"/>
               </a:rPr>
-              <a:t>myList = [1,2,3]</a:t>
+              <a:t>myList</a:t>
             </a:r>
-            <a:endParaRPr lang="en-US" sz="3600" smtClean="0">
-              <a:latin typeface="Lucida Sans" panose="020B0602030504020204" pitchFamily="34" charset="0"/>
-            </a:endParaRPr>
-          </a:p>
-          <a:p>
-            <a:pPr lvl="0"/>
             <a:r>
-              <a:rPr lang="en-US" sz="3600" smtClean="0">
+              <a:rPr lang="en-US" sz="3600" dirty="0" smtClean="0">
                 <a:latin typeface="Lucida Sans" panose="020B0602030504020204" pitchFamily="34" charset="0"/>
               </a:rPr>
-              <a:t>copyList = myList[start:end:step]</a:t>
+              <a:t> = [1,2,3]</a:t>
             </a:r>
           </a:p>
           <a:p>
             <a:pPr lvl="0"/>
             <a:r>
-              <a:rPr lang="en-US" sz="3600" smtClean="0">
+              <a:rPr lang="en-US" sz="3600" dirty="0" err="1" smtClean="0">
                 <a:latin typeface="Lucida Sans" panose="020B0602030504020204" pitchFamily="34" charset="0"/>
               </a:rPr>
-              <a:t>last = myList[-1]</a:t>
+              <a:t>copyList</a:t>
+            </a:r>
+            <a:r>
+              <a:rPr lang="en-US" sz="3600" dirty="0" smtClean="0">
+                <a:latin typeface="Lucida Sans" panose="020B0602030504020204" pitchFamily="34" charset="0"/>
+              </a:rPr>
+              <a:t> = </a:t>
+            </a:r>
+            <a:r>
+              <a:rPr lang="en-US" sz="3600" dirty="0" err="1" smtClean="0">
+                <a:latin typeface="Lucida Sans" panose="020B0602030504020204" pitchFamily="34" charset="0"/>
+              </a:rPr>
+              <a:t>myList</a:t>
+            </a:r>
+            <a:r>
+              <a:rPr lang="en-US" sz="3600" dirty="0" smtClean="0">
+                <a:latin typeface="Lucida Sans" panose="020B0602030504020204" pitchFamily="34" charset="0"/>
+              </a:rPr>
+              <a:t>[</a:t>
+            </a:r>
+            <a:r>
+              <a:rPr lang="en-US" sz="3600" dirty="0" err="1" smtClean="0">
+                <a:latin typeface="Lucida Sans" panose="020B0602030504020204" pitchFamily="34" charset="0"/>
+              </a:rPr>
+              <a:t>start:end:step</a:t>
+            </a:r>
+            <a:r>
+              <a:rPr lang="en-US" sz="3600" dirty="0" smtClean="0">
+                <a:latin typeface="Lucida Sans" panose="020B0602030504020204" pitchFamily="34" charset="0"/>
+              </a:rPr>
+              <a:t>]</a:t>
             </a:r>
           </a:p>
           <a:p>
             <a:pPr lvl="0"/>
             <a:r>
-              <a:rPr lang="en-US" sz="3600" smtClean="0">
+              <a:rPr lang="en-US" sz="3600" dirty="0" smtClean="0">
                 <a:latin typeface="Lucida Sans" panose="020B0602030504020204" pitchFamily="34" charset="0"/>
               </a:rPr>
-              <a:t>reverse = myList[-1:0:-1]</a:t>
+              <a:t>last = </a:t>
+            </a:r>
+            <a:r>
+              <a:rPr lang="en-US" sz="3600" dirty="0" err="1" smtClean="0">
+                <a:latin typeface="Lucida Sans" panose="020B0602030504020204" pitchFamily="34" charset="0"/>
+              </a:rPr>
+              <a:t>myList</a:t>
+            </a:r>
+            <a:r>
+              <a:rPr lang="en-US" sz="3600" dirty="0" smtClean="0">
+                <a:latin typeface="Lucida Sans" panose="020B0602030504020204" pitchFamily="34" charset="0"/>
+              </a:rPr>
+              <a:t>[-1]</a:t>
             </a:r>
           </a:p>
           <a:p>
             <a:pPr lvl="0"/>
             <a:r>
-              <a:rPr lang="en-US" sz="3600" smtClean="0">
+              <a:rPr lang="en-US" sz="3600" dirty="0" smtClean="0">
+                <a:latin typeface="Lucida Sans" panose="020B0602030504020204" pitchFamily="34" charset="0"/>
+              </a:rPr>
+              <a:t>reverse = </a:t>
+            </a:r>
+            <a:r>
+              <a:rPr lang="en-US" sz="3600" dirty="0" err="1" smtClean="0">
+                <a:latin typeface="Lucida Sans" panose="020B0602030504020204" pitchFamily="34" charset="0"/>
+              </a:rPr>
+              <a:t>myList</a:t>
+            </a:r>
+            <a:r>
+              <a:rPr lang="en-US" sz="3600" dirty="0" smtClean="0">
+                <a:latin typeface="Lucida Sans" panose="020B0602030504020204" pitchFamily="34" charset="0"/>
+              </a:rPr>
+              <a:t>[-1:0:-1]</a:t>
+            </a:r>
+          </a:p>
+          <a:p>
+            <a:pPr lvl="0"/>
+            <a:r>
+              <a:rPr lang="en-US" sz="3600" dirty="0" smtClean="0">
                 <a:latin typeface="Lucida Sans" panose="020B0602030504020204" pitchFamily="34" charset="0"/>
               </a:rPr>
               <a:t>print(reverse, "not all there!")</a:t>
@@ -16120,11 +16161,41 @@
           <a:p>
             <a:pPr lvl="0"/>
             <a:r>
-              <a:rPr lang="en-US" sz="3600" smtClean="0">
+              <a:rPr lang="en-US" sz="3600" dirty="0" err="1" smtClean="0">
                 <a:latin typeface="Lucida Sans" panose="020B0602030504020204" pitchFamily="34" charset="0"/>
               </a:rPr>
-              <a:t>myList.reverse()</a:t>
+              <a:t>myList.reverse</a:t>
             </a:r>
+            <a:r>
+              <a:rPr lang="en-US" sz="3600" dirty="0" smtClean="0">
+                <a:latin typeface="Lucida Sans" panose="020B0602030504020204" pitchFamily="34" charset="0"/>
+              </a:rPr>
+              <a:t>()</a:t>
+            </a:r>
+          </a:p>
+          <a:p>
+            <a:pPr lvl="0"/>
+            <a:r>
+              <a:rPr lang="en-US" sz="3600" dirty="0" smtClean="0">
+                <a:latin typeface="Lucida Sans" panose="020B0602030504020204" pitchFamily="34" charset="0"/>
+              </a:rPr>
+              <a:t>back = reversed(</a:t>
+            </a:r>
+            <a:r>
+              <a:rPr lang="en-US" sz="3600" dirty="0" err="1" smtClean="0">
+                <a:latin typeface="Lucida Sans" panose="020B0602030504020204" pitchFamily="34" charset="0"/>
+              </a:rPr>
+              <a:t>myList</a:t>
+            </a:r>
+            <a:r>
+              <a:rPr lang="en-US" sz="3600" dirty="0" smtClean="0">
+                <a:latin typeface="Lucida Sans" panose="020B0602030504020204" pitchFamily="34" charset="0"/>
+              </a:rPr>
+              <a:t>)</a:t>
+            </a:r>
+            <a:endParaRPr lang="en-US" sz="3600" dirty="0" smtClean="0">
+              <a:latin typeface="Lucida Sans" panose="020B0602030504020204" pitchFamily="34" charset="0"/>
+            </a:endParaRPr>
           </a:p>
         </p:txBody>
       </p:sp>
@@ -16222,9 +16293,6 @@
               </a:rPr>
               <a:t>myList = [1,2,[a,b,c]]</a:t>
             </a:r>
-            <a:endParaRPr lang="en-US" sz="3600" smtClean="0">
-              <a:latin typeface="Lucida Sans" panose="020B0602030504020204" pitchFamily="34" charset="0"/>
-            </a:endParaRPr>
           </a:p>
           <a:p>
             <a:pPr lvl="0"/>
